--- a/S3 - Windows Installation.pptx
+++ b/S3 - Windows Installation.pptx
@@ -2793,7 +2793,7 @@
           <a:p>
             <a:fld id="{8569B522-8390-453B-A8F0-3C96BAC841F8}" type="datetimeFigureOut">
               <a:rPr lang="en-US" smtClean="0"/>
-              <a:t>5/4/2015</a:t>
+              <a:t>5/6/2015</a:t>
             </a:fld>
             <a:endParaRPr lang="en-US" dirty="0"/>
           </a:p>
@@ -3121,13 +3121,73 @@
           </a:bodyPr>
           <a:lstStyle/>
           <a:p>
-            <a:pPr marL="285750" indent="-285750">
+            <a:pPr marL="0" indent="0">
               <a:spcBef>
                 <a:spcPct val="0"/>
               </a:spcBef>
               <a:buFont typeface="Wingdings"/>
-              <a:buChar char="Ø"/>
-            </a:pPr>
+              <a:buNone/>
+            </a:pPr>
+            <a:r>
+              <a:rPr lang="en-US" sz="1600" dirty="0" smtClean="0"/>
+              <a:t>-- presentation covers all the steps to install and validate Ruby and Ruby</a:t>
+            </a:r>
+            <a:r>
+              <a:rPr lang="en-US" sz="1600" baseline="0" dirty="0" smtClean="0"/>
+              <a:t> on Rails on Windows 7 </a:t>
+            </a:r>
+          </a:p>
+          <a:p>
+            <a:pPr marL="0" indent="0">
+              <a:spcBef>
+                <a:spcPct val="0"/>
+              </a:spcBef>
+              <a:buFont typeface="Wingdings"/>
+              <a:buNone/>
+            </a:pPr>
+            <a:r>
+              <a:rPr lang="en-US" sz="1600" baseline="0" dirty="0" smtClean="0"/>
+              <a:t>-- and I think 8 as well</a:t>
+            </a:r>
+          </a:p>
+          <a:p>
+            <a:pPr marL="0" indent="0">
+              <a:spcBef>
+                <a:spcPct val="0"/>
+              </a:spcBef>
+              <a:buFont typeface="Wingdings"/>
+              <a:buNone/>
+            </a:pPr>
+            <a:r>
+              <a:rPr lang="en-US" sz="1600" baseline="0" dirty="0" smtClean="0"/>
+              <a:t>-- will not discuss every step, take too long </a:t>
+            </a:r>
+          </a:p>
+          <a:p>
+            <a:pPr marL="0" indent="0">
+              <a:spcBef>
+                <a:spcPct val="0"/>
+              </a:spcBef>
+              <a:buFont typeface="Wingdings"/>
+              <a:buNone/>
+            </a:pPr>
+            <a:r>
+              <a:rPr lang="en-US" sz="1600" baseline="0" dirty="0" smtClean="0"/>
+              <a:t>-- all steps are on the slides for those who want to do this latter, or even try and keep up in the workshop </a:t>
+            </a:r>
+          </a:p>
+          <a:p>
+            <a:pPr marL="0" indent="0">
+              <a:spcBef>
+                <a:spcPct val="0"/>
+              </a:spcBef>
+              <a:buFont typeface="Wingdings"/>
+              <a:buNone/>
+            </a:pPr>
+            <a:r>
+              <a:rPr lang="en-US" sz="1600" baseline="0" dirty="0" smtClean="0"/>
+              <a:t>-- try to walk you around the pitfalls and recover from the install issues</a:t>
+            </a:r>
             <a:endParaRPr lang="en-US" sz="1600" dirty="0" smtClean="0"/>
           </a:p>
         </p:txBody>
@@ -3184,6 +3244,90 @@
 </file>
 
 <file path=ppt/notesSlides/notesSlide2.xml><?xml version="1.0" encoding="utf-8"?>
+<p:notes xmlns:a="http://schemas.openxmlformats.org/drawingml/2006/main" xmlns:r="http://schemas.openxmlformats.org/officeDocument/2006/relationships" xmlns:p="http://schemas.openxmlformats.org/presentationml/2006/main">
+  <p:cSld>
+    <p:spTree>
+      <p:nvGrpSpPr>
+        <p:cNvPr id="1" name=""/>
+        <p:cNvGrpSpPr/>
+        <p:nvPr/>
+      </p:nvGrpSpPr>
+      <p:grpSpPr>
+        <a:xfrm>
+          <a:off x="0" y="0"/>
+          <a:ext cx="0" cy="0"/>
+          <a:chOff x="0" y="0"/>
+          <a:chExt cx="0" cy="0"/>
+        </a:xfrm>
+      </p:grpSpPr>
+      <p:sp>
+        <p:nvSpPr>
+          <p:cNvPr id="2" name="Slide Image Placeholder 1"/>
+          <p:cNvSpPr>
+            <a:spLocks noGrp="1" noRot="1" noChangeAspect="1"/>
+          </p:cNvSpPr>
+          <p:nvPr>
+            <p:ph type="sldImg"/>
+          </p:nvPr>
+        </p:nvSpPr>
+        <p:spPr/>
+      </p:sp>
+      <p:sp>
+        <p:nvSpPr>
+          <p:cNvPr id="3" name="Notes Placeholder 2"/>
+          <p:cNvSpPr>
+            <a:spLocks noGrp="1"/>
+          </p:cNvSpPr>
+          <p:nvPr>
+            <p:ph type="body" idx="1"/>
+          </p:nvPr>
+        </p:nvSpPr>
+        <p:spPr/>
+        <p:txBody>
+          <a:bodyPr/>
+          <a:lstStyle/>
+          <a:p>
+            <a:endParaRPr lang="en-US" dirty="0"/>
+          </a:p>
+        </p:txBody>
+      </p:sp>
+      <p:sp>
+        <p:nvSpPr>
+          <p:cNvPr id="4" name="Slide Number Placeholder 3"/>
+          <p:cNvSpPr>
+            <a:spLocks noGrp="1"/>
+          </p:cNvSpPr>
+          <p:nvPr>
+            <p:ph type="sldNum" sz="quarter" idx="10"/>
+          </p:nvPr>
+        </p:nvSpPr>
+        <p:spPr/>
+        <p:txBody>
+          <a:bodyPr/>
+          <a:lstStyle/>
+          <a:p>
+            <a:fld id="{86E298D3-FAEC-4429-BBB2-6E24FE792F56}" type="slidenum">
+              <a:rPr lang="en-US" smtClean="0"/>
+              <a:t>2</a:t>
+            </a:fld>
+            <a:endParaRPr lang="en-US" dirty="0"/>
+          </a:p>
+        </p:txBody>
+      </p:sp>
+    </p:spTree>
+    <p:extLst>
+      <p:ext uri="{BB962C8B-B14F-4D97-AF65-F5344CB8AC3E}">
+        <p14:creationId xmlns:p14="http://schemas.microsoft.com/office/powerpoint/2010/main" val="1394258659"/>
+      </p:ext>
+    </p:extLst>
+  </p:cSld>
+  <p:clrMapOvr>
+    <a:masterClrMapping/>
+  </p:clrMapOvr>
+</p:notes>
+</file>
+
+<file path=ppt/notesSlides/notesSlide3.xml><?xml version="1.0" encoding="utf-8"?>
 <p:notes xmlns:a="http://schemas.openxmlformats.org/drawingml/2006/main" xmlns:r="http://schemas.openxmlformats.org/officeDocument/2006/relationships" xmlns:p="http://schemas.openxmlformats.org/presentationml/2006/main">
   <p:cSld>
     <p:spTree>
@@ -3472,7 +3616,7 @@
                   </a:srgbClr>
                 </a:solidFill>
               </a:rPr>
-              <a:t>5/4/2015</a:t>
+              <a:t>5/6/2015</a:t>
             </a:fld>
             <a:endParaRPr lang="en-US" dirty="0">
               <a:solidFill>
@@ -3714,7 +3858,7 @@
                   </a:srgbClr>
                 </a:solidFill>
               </a:rPr>
-              <a:t>5/4/2015</a:t>
+              <a:t>5/6/2015</a:t>
             </a:fld>
             <a:endParaRPr lang="en-US" dirty="0">
               <a:solidFill>
@@ -4013,7 +4157,7 @@
               <a:pPr>
                 <a:defRPr/>
               </a:pPr>
-              <a:t>5/4/2015</a:t>
+              <a:t>5/6/2015</a:t>
             </a:fld>
             <a:endParaRPr lang="en-US" dirty="0">
               <a:solidFill>
@@ -4235,7 +4379,7 @@
               <a:pPr>
                 <a:defRPr/>
               </a:pPr>
-              <a:t>5/4/2015</a:t>
+              <a:t>5/6/2015</a:t>
             </a:fld>
             <a:endParaRPr lang="en-US" dirty="0">
               <a:solidFill>
@@ -4527,7 +4671,7 @@
               <a:pPr>
                 <a:defRPr/>
               </a:pPr>
-              <a:t>5/4/2015</a:t>
+              <a:t>5/6/2015</a:t>
             </a:fld>
             <a:endParaRPr lang="en-US" dirty="0">
               <a:solidFill>
@@ -4841,7 +4985,7 @@
               <a:pPr>
                 <a:defRPr/>
               </a:pPr>
-              <a:t>5/4/2015</a:t>
+              <a:t>5/6/2015</a:t>
             </a:fld>
             <a:endParaRPr lang="en-US" dirty="0">
               <a:solidFill>
@@ -5269,7 +5413,7 @@
               <a:pPr>
                 <a:defRPr/>
               </a:pPr>
-              <a:t>5/4/2015</a:t>
+              <a:t>5/6/2015</a:t>
             </a:fld>
             <a:endParaRPr lang="en-US" dirty="0">
               <a:solidFill>
@@ -5469,7 +5613,7 @@
               <a:pPr>
                 <a:defRPr/>
               </a:pPr>
-              <a:t>5/4/2015</a:t>
+              <a:t>5/6/2015</a:t>
             </a:fld>
             <a:endParaRPr lang="en-US" dirty="0">
               <a:solidFill>
@@ -5609,7 +5753,7 @@
               <a:pPr>
                 <a:defRPr/>
               </a:pPr>
-              <a:t>5/4/2015</a:t>
+              <a:t>5/6/2015</a:t>
             </a:fld>
             <a:endParaRPr lang="en-US" dirty="0">
               <a:solidFill>
@@ -5920,7 +6064,7 @@
               <a:pPr>
                 <a:defRPr/>
               </a:pPr>
-              <a:t>5/4/2015</a:t>
+              <a:t>5/6/2015</a:t>
             </a:fld>
             <a:endParaRPr lang="en-US" dirty="0">
               <a:solidFill>
@@ -6280,7 +6424,7 @@
               <a:pPr>
                 <a:defRPr/>
               </a:pPr>
-              <a:t>5/4/2015</a:t>
+              <a:t>5/6/2015</a:t>
             </a:fld>
             <a:endParaRPr lang="en-US" dirty="0">
               <a:solidFill>
@@ -6860,7 +7004,7 @@
                   </a:srgbClr>
                 </a:solidFill>
               </a:rPr>
-              <a:t>5/4/2015</a:t>
+              <a:t>5/6/2015</a:t>
             </a:fld>
             <a:endParaRPr lang="en-US" dirty="0">
               <a:solidFill>
@@ -7096,7 +7240,7 @@
               <a:pPr>
                 <a:defRPr/>
               </a:pPr>
-              <a:t>5/4/2015</a:t>
+              <a:t>5/6/2015</a:t>
             </a:fld>
             <a:endParaRPr lang="en-US" dirty="0">
               <a:solidFill>
@@ -7321,7 +7465,7 @@
               <a:pPr>
                 <a:defRPr/>
               </a:pPr>
-              <a:t>5/4/2015</a:t>
+              <a:t>5/6/2015</a:t>
             </a:fld>
             <a:endParaRPr lang="en-US" dirty="0">
               <a:solidFill>
@@ -7566,7 +7710,7 @@
                   </a:srgbClr>
                 </a:solidFill>
               </a:rPr>
-              <a:t>5/4/2015</a:t>
+              <a:t>5/6/2015</a:t>
             </a:fld>
             <a:endParaRPr lang="en-US" dirty="0">
               <a:solidFill>
@@ -7941,7 +8085,7 @@
                   </a:srgbClr>
                 </a:solidFill>
               </a:rPr>
-              <a:t>5/4/2015</a:t>
+              <a:t>5/6/2015</a:t>
             </a:fld>
             <a:endParaRPr lang="en-US" dirty="0">
               <a:solidFill>
@@ -8243,7 +8387,7 @@
                   </a:srgbClr>
                 </a:solidFill>
               </a:rPr>
-              <a:t>5/4/2015</a:t>
+              <a:t>5/6/2015</a:t>
             </a:fld>
             <a:endParaRPr lang="en-US" dirty="0">
               <a:solidFill>
@@ -8400,7 +8544,7 @@
                   </a:srgbClr>
                 </a:solidFill>
               </a:rPr>
-              <a:t>5/4/2015</a:t>
+              <a:t>5/6/2015</a:t>
             </a:fld>
             <a:endParaRPr lang="en-US" dirty="0">
               <a:solidFill>
@@ -8755,7 +8899,7 @@
                   </a:srgbClr>
                 </a:solidFill>
               </a:rPr>
-              <a:t>5/4/2015</a:t>
+              <a:t>5/6/2015</a:t>
             </a:fld>
             <a:endParaRPr lang="en-US" dirty="0">
               <a:solidFill>
@@ -9091,7 +9235,7 @@
                   </a:srgbClr>
                 </a:solidFill>
               </a:rPr>
-              <a:t>5/4/2015</a:t>
+              <a:t>5/6/2015</a:t>
             </a:fld>
             <a:endParaRPr lang="en-US" dirty="0">
               <a:solidFill>
@@ -9328,7 +9472,7 @@
                   </a:srgbClr>
                 </a:solidFill>
               </a:rPr>
-              <a:t>5/4/2015</a:t>
+              <a:t>5/6/2015</a:t>
             </a:fld>
             <a:endParaRPr lang="en-US" dirty="0">
               <a:solidFill>
@@ -9611,7 +9755,7 @@
             <a:fld id="{5AE4DD19-95FB-4280-9209-E7E1030A9938}" type="datetime1">
               <a:rPr lang="en-US" smtClean="0"/>
               <a:pPr/>
-              <a:t>5/4/2015</a:t>
+              <a:t>5/6/2015</a:t>
             </a:fld>
             <a:r>
               <a:rPr lang="en-US" dirty="0" smtClean="0"/>
@@ -10584,7 +10728,7 @@
                 </a:spcAft>
                 <a:defRPr/>
               </a:pPr>
-              <a:t>5/4/2015</a:t>
+              <a:t>5/6/2015</a:t>
             </a:fld>
             <a:endParaRPr lang="en-US" dirty="0">
               <a:solidFill>
@@ -11329,15 +11473,7 @@
             </a:br>
             <a:r>
               <a:rPr lang="en-US" sz="6000" spc="-150" dirty="0" smtClean="0"/>
-              <a:t>- </a:t>
-            </a:r>
-            <a:r>
-              <a:rPr lang="en-US" sz="6000" spc="-150" dirty="0" smtClean="0"/>
-              <a:t>Installing </a:t>
-            </a:r>
-            <a:r>
-              <a:rPr lang="en-US" sz="6000" spc="-150" dirty="0" smtClean="0"/>
-              <a:t>on Windows</a:t>
+              <a:t>- Installing on Windows</a:t>
             </a:r>
             <a:r>
               <a:rPr lang="en-US" sz="6600" spc="-150" dirty="0" smtClean="0"/>
@@ -11400,19 +11536,7 @@
                   </a:outerShdw>
                 </a:effectLst>
               </a:rPr>
-              <a:t>Stan Smith, </a:t>
-            </a:r>
-            <a:r>
-              <a:rPr lang="en-US" dirty="0" smtClean="0">
-                <a:effectLst>
-                  <a:outerShdw blurRad="38100" dist="38100" dir="2700000" algn="tl">
-                    <a:srgbClr val="000000">
-                      <a:alpha val="43137"/>
-                    </a:srgbClr>
-                  </a:outerShdw>
-                </a:effectLst>
-              </a:rPr>
-              <a:t>USGS</a:t>
+              <a:t>Stan Smith, USGS</a:t>
             </a:r>
           </a:p>
           <a:p>
@@ -11521,7 +11645,11 @@
           <a:bodyPr/>
           <a:lstStyle/>
           <a:p>
-            <a:endParaRPr lang="en-US"/>
+            <a:r>
+              <a:rPr lang="en-US" dirty="0" smtClean="0"/>
+              <a:t>adiwg-mdtranslator gem</a:t>
+            </a:r>
+            <a:endParaRPr lang="en-US" dirty="0"/>
           </a:p>
         </p:txBody>
       </p:sp>
@@ -11548,7 +11676,11 @@
             </a:pPr>
             <a:r>
               <a:rPr lang="en-US" sz="1800" dirty="0"/>
-              <a:t>Thousands of other </a:t>
+              <a:t>Thousands </a:t>
+            </a:r>
+            <a:r>
+              <a:rPr lang="en-US" sz="1800" dirty="0" smtClean="0"/>
+              <a:t>of</a:t>
             </a:r>
             <a:r>
               <a:rPr lang="en-US" sz="1800" dirty="0" smtClean="0"/>
@@ -11609,10 +11741,6 @@
             <a:r>
               <a:rPr lang="en-US" sz="1800" dirty="0"/>
               <a:t> </a:t>
-            </a:r>
-            <a:r>
-              <a:rPr lang="en-US" sz="1800" dirty="0"/>
-              <a:t/>
             </a:r>
             <a:br>
               <a:rPr lang="en-US" sz="1800" dirty="0"/>
@@ -11714,7 +11842,7 @@
                   </a:srgbClr>
                 </a:solidFill>
               </a:rPr>
-              <a:t>5/4/2015</a:t>
+              <a:t>5/6/2015</a:t>
             </a:fld>
             <a:endParaRPr lang="en-US" dirty="0">
               <a:solidFill>
@@ -11847,6 +11975,13 @@
   <p:clrMapOvr>
     <a:masterClrMapping/>
   </p:clrMapOvr>
+  <p:timing>
+    <p:tnLst>
+      <p:par>
+        <p:cTn id="1" dur="indefinite" restart="never" nodeType="tmRoot"/>
+      </p:par>
+    </p:tnLst>
+  </p:timing>
 </p:sld>
 </file>
 
@@ -11882,7 +12017,11 @@
           <a:bodyPr/>
           <a:lstStyle/>
           <a:p>
-            <a:endParaRPr lang="en-US"/>
+            <a:r>
+              <a:rPr lang="en-US" dirty="0"/>
+              <a:t>adiwg-mdtranslator gem</a:t>
+            </a:r>
+            <a:endParaRPr lang="en-US" dirty="0"/>
           </a:p>
         </p:txBody>
       </p:sp>
@@ -12040,7 +12179,7 @@
                   </a:srgbClr>
                 </a:solidFill>
               </a:rPr>
-              <a:t>5/4/2015</a:t>
+              <a:t>5/6/2015</a:t>
             </a:fld>
             <a:endParaRPr lang="en-US" dirty="0">
               <a:solidFill>
@@ -12173,6 +12312,13 @@
   <p:clrMapOvr>
     <a:masterClrMapping/>
   </p:clrMapOvr>
+  <p:timing>
+    <p:tnLst>
+      <p:par>
+        <p:cTn id="1" dur="indefinite" restart="never" nodeType="tmRoot"/>
+      </p:par>
+    </p:tnLst>
+  </p:timing>
 </p:sld>
 </file>
 
@@ -12208,7 +12354,11 @@
           <a:bodyPr/>
           <a:lstStyle/>
           <a:p>
-            <a:endParaRPr lang="en-US"/>
+            <a:r>
+              <a:rPr lang="en-US" dirty="0"/>
+              <a:t>adiwg-mdtranslator gem</a:t>
+            </a:r>
+            <a:endParaRPr lang="en-US" dirty="0"/>
           </a:p>
         </p:txBody>
       </p:sp>
@@ -12326,7 +12476,7 @@
                   </a:srgbClr>
                 </a:solidFill>
               </a:rPr>
-              <a:t>5/4/2015</a:t>
+              <a:t>5/6/2015</a:t>
             </a:fld>
             <a:endParaRPr lang="en-US" dirty="0">
               <a:solidFill>
@@ -12459,6 +12609,13 @@
   <p:clrMapOvr>
     <a:masterClrMapping/>
   </p:clrMapOvr>
+  <p:timing>
+    <p:tnLst>
+      <p:par>
+        <p:cTn id="1" dur="indefinite" restart="never" nodeType="tmRoot"/>
+      </p:par>
+    </p:tnLst>
+  </p:timing>
 </p:sld>
 </file>
 
@@ -12494,7 +12651,11 @@
           <a:bodyPr/>
           <a:lstStyle/>
           <a:p>
-            <a:endParaRPr lang="en-US"/>
+            <a:r>
+              <a:rPr lang="en-US" dirty="0"/>
+              <a:t>adiwg-mdtranslator gem</a:t>
+            </a:r>
+            <a:endParaRPr lang="en-US" dirty="0"/>
           </a:p>
         </p:txBody>
       </p:sp>
@@ -12574,7 +12735,7 @@
                   </a:srgbClr>
                 </a:solidFill>
               </a:rPr>
-              <a:t>5/4/2015</a:t>
+              <a:t>5/6/2015</a:t>
             </a:fld>
             <a:endParaRPr lang="en-US" dirty="0">
               <a:solidFill>
@@ -12707,6 +12868,13 @@
   <p:clrMapOvr>
     <a:masterClrMapping/>
   </p:clrMapOvr>
+  <p:timing>
+    <p:tnLst>
+      <p:par>
+        <p:cTn id="1" dur="indefinite" restart="never" nodeType="tmRoot"/>
+      </p:par>
+    </p:tnLst>
+  </p:timing>
 </p:sld>
 </file>
 
@@ -12742,7 +12910,11 @@
           <a:bodyPr/>
           <a:lstStyle/>
           <a:p>
-            <a:endParaRPr lang="en-US"/>
+            <a:r>
+              <a:rPr lang="en-US" dirty="0"/>
+              <a:t>adiwg-mdtranslator gem</a:t>
+            </a:r>
+            <a:endParaRPr lang="en-US" dirty="0"/>
           </a:p>
         </p:txBody>
       </p:sp>
@@ -12779,10 +12951,6 @@
             <a:r>
               <a:rPr lang="en-US" sz="1800" dirty="0"/>
               <a:t>check </a:t>
-            </a:r>
-            <a:r>
-              <a:rPr lang="en-US" sz="1800" dirty="0"/>
-              <a:t/>
             </a:r>
             <a:br>
               <a:rPr lang="en-US" sz="1800" dirty="0"/>
@@ -13028,7 +13196,7 @@
                   </a:srgbClr>
                 </a:solidFill>
               </a:rPr>
-              <a:t>5/4/2015</a:t>
+              <a:t>5/6/2015</a:t>
             </a:fld>
             <a:endParaRPr lang="en-US" dirty="0">
               <a:solidFill>
@@ -13161,6 +13329,13 @@
   <p:clrMapOvr>
     <a:masterClrMapping/>
   </p:clrMapOvr>
+  <p:timing>
+    <p:tnLst>
+      <p:par>
+        <p:cTn id="1" dur="indefinite" restart="never" nodeType="tmRoot"/>
+      </p:par>
+    </p:tnLst>
+  </p:timing>
 </p:sld>
 </file>
 
@@ -13196,7 +13371,11 @@
           <a:bodyPr/>
           <a:lstStyle/>
           <a:p>
-            <a:endParaRPr lang="en-US"/>
+            <a:r>
+              <a:rPr lang="en-US" dirty="0" smtClean="0"/>
+              <a:t>Rails on Windows 1</a:t>
+            </a:r>
+            <a:endParaRPr lang="en-US" dirty="0"/>
           </a:p>
         </p:txBody>
       </p:sp>
@@ -13223,7 +13402,11 @@
             </a:pPr>
             <a:r>
               <a:rPr lang="en-US" sz="1800" dirty="0"/>
-              <a:t>If we wish to also use </a:t>
+              <a:t>If we wish to </a:t>
+            </a:r>
+            <a:r>
+              <a:rPr lang="en-US" sz="1800" dirty="0" smtClean="0"/>
+              <a:t>use </a:t>
             </a:r>
             <a:r>
               <a:rPr lang="en-US" sz="1800" dirty="0" smtClean="0"/>
@@ -13250,10 +13433,6 @@
             <a:r>
               <a:rPr lang="en-US" sz="1800" dirty="0"/>
               <a:t>With Ruby </a:t>
-            </a:r>
-            <a:r>
-              <a:rPr lang="en-US" sz="1800" dirty="0"/>
-              <a:t/>
             </a:r>
             <a:br>
               <a:rPr lang="en-US" sz="1800" dirty="0"/>
@@ -13389,7 +13568,7 @@
                   </a:srgbClr>
                 </a:solidFill>
               </a:rPr>
-              <a:t>5/4/2015</a:t>
+              <a:t>5/6/2015</a:t>
             </a:fld>
             <a:endParaRPr lang="en-US" dirty="0">
               <a:solidFill>
@@ -13554,6 +13733,13 @@
   <p:clrMapOvr>
     <a:masterClrMapping/>
   </p:clrMapOvr>
+  <p:timing>
+    <p:tnLst>
+      <p:par>
+        <p:cTn id="1" dur="indefinite" restart="never" nodeType="tmRoot"/>
+      </p:par>
+    </p:tnLst>
+  </p:timing>
 </p:sld>
 </file>
 
@@ -13589,7 +13775,15 @@
           <a:bodyPr/>
           <a:lstStyle/>
           <a:p>
-            <a:endParaRPr lang="en-US"/>
+            <a:r>
+              <a:rPr lang="en-US" dirty="0"/>
+              <a:t>Rails on Windows </a:t>
+            </a:r>
+            <a:r>
+              <a:rPr lang="en-US" dirty="0" smtClean="0"/>
+              <a:t>2</a:t>
+            </a:r>
+            <a:endParaRPr lang="en-US" dirty="0"/>
           </a:p>
         </p:txBody>
       </p:sp>
@@ -13623,8 +13817,8 @@
               <a:t>the Rails </a:t>
             </a:r>
             <a:r>
-              <a:rPr lang="en-US" sz="1800" dirty="0"/>
-              <a:t>installation </a:t>
+              <a:rPr lang="en-US" sz="1800" dirty="0" smtClean="0"/>
+              <a:t>installation, </a:t>
             </a:r>
             <a:r>
               <a:rPr lang="en-US" sz="1800" dirty="0" smtClean="0"/>
@@ -13636,36 +13830,63 @@
             </a:r>
             <a:r>
               <a:rPr lang="en-US" sz="1800" dirty="0" smtClean="0"/>
-              <a:t>website.  </a:t>
-            </a:r>
-            <a:r>
-              <a:rPr lang="en-US" sz="1800" dirty="0"/>
-              <a:t>From the command line type: </a:t>
-            </a:r>
-            <a:r>
-              <a:rPr lang="en-US" sz="1800" dirty="0" smtClean="0"/>
+              <a:t>website for us.  </a:t>
+            </a:r>
+          </a:p>
+          <a:p>
+            <a:pPr marL="571500" lvl="1" indent="-171450"/>
+            <a:r>
+              <a:rPr lang="en-US" sz="1400" dirty="0" smtClean="0"/>
+              <a:t>Navigate to the folder to hold your new website.</a:t>
+            </a:r>
+          </a:p>
+          <a:p>
+            <a:pPr marL="571500" lvl="1" indent="-171450"/>
+            <a:r>
+              <a:rPr lang="en-US" sz="1400" dirty="0" smtClean="0"/>
+              <a:t>From </a:t>
+            </a:r>
+            <a:r>
+              <a:rPr lang="en-US" sz="1400" dirty="0"/>
+              <a:t>the command line type: </a:t>
+            </a:r>
+            <a:r>
+              <a:rPr lang="en-US" sz="1400" dirty="0" smtClean="0"/>
               <a:t>&gt; rails </a:t>
             </a:r>
             <a:r>
-              <a:rPr lang="en-US" sz="1800" dirty="0"/>
+              <a:rPr lang="en-US" sz="1400" dirty="0"/>
               <a:t>new </a:t>
             </a:r>
             <a:r>
-              <a:rPr lang="en-US" sz="1800" dirty="0" err="1"/>
+              <a:rPr lang="en-US" sz="1400" dirty="0" err="1"/>
               <a:t>firstApp</a:t>
             </a:r>
             <a:r>
-              <a:rPr lang="en-US" sz="1800" dirty="0"/>
-              <a:t>.  ‘</a:t>
-            </a:r>
-            <a:r>
-              <a:rPr lang="en-US" sz="1800" dirty="0" err="1"/>
+              <a:rPr lang="en-US" sz="1400" dirty="0"/>
+              <a:t>.  </a:t>
+            </a:r>
+            <a:endParaRPr lang="en-US" sz="1400" dirty="0" smtClean="0"/>
+          </a:p>
+          <a:p>
+            <a:pPr marL="571500" lvl="1" indent="-171450"/>
+            <a:r>
+              <a:rPr lang="en-US" sz="1400" dirty="0" smtClean="0"/>
+              <a:t>Rails will create a new directory named ‘</a:t>
+            </a:r>
+            <a:r>
+              <a:rPr lang="en-US" sz="1400" dirty="0" err="1" smtClean="0"/>
               <a:t>firstApp</a:t>
             </a:r>
             <a:r>
-              <a:rPr lang="en-US" sz="1800" dirty="0"/>
-              <a:t>’ will install in the directory at your current prompt, in this case C:\Users\ssmith-pr\firstApp. </a:t>
-            </a:r>
+              <a:rPr lang="en-US" sz="1400" dirty="0"/>
+              <a:t>’ </a:t>
+            </a:r>
+            <a:r>
+              <a:rPr lang="en-US" sz="1400" dirty="0" smtClean="0"/>
+              <a:t>and install all the code for a new website</a:t>
+            </a:r>
+            <a:endParaRPr lang="en-US" sz="1400" dirty="0"/>
           </a:p>
           <a:p>
             <a:pPr marL="457200" indent="-457200">
@@ -13702,7 +13923,7 @@
                   </a:srgbClr>
                 </a:solidFill>
               </a:rPr>
-              <a:t>5/4/2015</a:t>
+              <a:t>5/6/2015</a:t>
             </a:fld>
             <a:endParaRPr lang="en-US" dirty="0">
               <a:solidFill>
@@ -13867,6 +14088,13 @@
   <p:clrMapOvr>
     <a:masterClrMapping/>
   </p:clrMapOvr>
+  <p:timing>
+    <p:tnLst>
+      <p:par>
+        <p:cTn id="1" dur="indefinite" restart="never" nodeType="tmRoot"/>
+      </p:par>
+    </p:tnLst>
+  </p:timing>
 </p:sld>
 </file>
 
@@ -13902,7 +14130,15 @@
           <a:bodyPr/>
           <a:lstStyle/>
           <a:p>
-            <a:endParaRPr lang="en-US"/>
+            <a:r>
+              <a:rPr lang="en-US" dirty="0"/>
+              <a:t>Rails on Windows </a:t>
+            </a:r>
+            <a:r>
+              <a:rPr lang="en-US" dirty="0" smtClean="0"/>
+              <a:t>3</a:t>
+            </a:r>
+            <a:endParaRPr lang="en-US" dirty="0"/>
           </a:p>
         </p:txBody>
       </p:sp>
@@ -13929,7 +14165,15 @@
             </a:pPr>
             <a:r>
               <a:rPr lang="en-US" sz="1800" dirty="0"/>
-              <a:t>After many lines reported back the web site failed to complete because the </a:t>
+              <a:t>After many lines </a:t>
+            </a:r>
+            <a:r>
+              <a:rPr lang="en-US" sz="1800" dirty="0" smtClean="0"/>
+              <a:t> are reported </a:t>
+            </a:r>
+            <a:r>
+              <a:rPr lang="en-US" sz="1800" dirty="0"/>
+              <a:t>back the web site failed to complete because the </a:t>
             </a:r>
             <a:r>
               <a:rPr lang="en-US" sz="1800" dirty="0" smtClean="0"/>
@@ -13961,11 +14205,7 @@
             </a:r>
             <a:r>
               <a:rPr lang="en-US" sz="1800" dirty="0"/>
-              <a:t>for Windows.  </a:t>
-            </a:r>
-            <a:r>
-              <a:rPr lang="en-US" sz="1800" dirty="0"/>
-              <a:t>Unfortunately, glitches are common on Windows installations and the installation of </a:t>
+              <a:t>for Windows.  Unfortunately, glitches are common on Windows installations and the installation of </a:t>
             </a:r>
             <a:r>
               <a:rPr lang="en-US" sz="1800" dirty="0" err="1"/>
@@ -14022,7 +14262,41 @@
             </a:r>
             <a:r>
               <a:rPr lang="en-US" sz="1800" dirty="0"/>
-              <a:t> .  More information about installing </a:t>
+              <a:t> .  </a:t>
+            </a:r>
+            <a:endParaRPr lang="en-US" sz="1800" dirty="0" smtClean="0"/>
+          </a:p>
+          <a:p>
+            <a:pPr marL="457200" indent="-457200">
+              <a:buFont typeface="+mj-lt"/>
+              <a:buAutoNum type="arabicPeriod" startAt="25"/>
+            </a:pPr>
+            <a:r>
+              <a:rPr lang="en-US" sz="1800" dirty="0"/>
+              <a:t>I also install </a:t>
+            </a:r>
+            <a:r>
+              <a:rPr lang="en-US" sz="1800" dirty="0" err="1"/>
+              <a:t>DevKit</a:t>
+            </a:r>
+            <a:r>
+              <a:rPr lang="en-US" sz="1800" dirty="0"/>
+              <a:t> at the root of the C:\ directory</a:t>
+            </a:r>
+            <a:r>
+              <a:rPr lang="en-US" sz="1800" dirty="0" smtClean="0"/>
+              <a:t>. </a:t>
+            </a:r>
+            <a:br>
+              <a:rPr lang="en-US" sz="1800" dirty="0" smtClean="0"/>
+            </a:br>
+            <a:r>
+              <a:rPr lang="en-US" sz="1800" dirty="0" smtClean="0"/>
+              <a:t>More </a:t>
+            </a:r>
+            <a:r>
+              <a:rPr lang="en-US" sz="1800" dirty="0"/>
+              <a:t>information about installing </a:t>
             </a:r>
             <a:r>
               <a:rPr lang="en-US" sz="1800" dirty="0" err="1"/>
@@ -14040,26 +14314,20 @@
             </a:r>
             <a:r>
               <a:rPr lang="en-US" sz="1800" dirty="0"/>
-              <a:t> .</a:t>
-            </a:r>
-          </a:p>
-          <a:p>
-            <a:pPr marL="457200" indent="-457200">
-              <a:buFont typeface="+mj-lt"/>
-              <a:buAutoNum type="arabicPeriod" startAt="25"/>
-            </a:pPr>
-            <a:r>
-              <a:rPr lang="en-US" sz="1800" dirty="0"/>
-              <a:t>I also install </a:t>
-            </a:r>
-            <a:r>
-              <a:rPr lang="en-US" sz="1800" dirty="0" err="1"/>
-              <a:t>DevKit</a:t>
-            </a:r>
-            <a:r>
-              <a:rPr lang="en-US" sz="1800" dirty="0"/>
-              <a:t> at the root of the C:\ directory. </a:t>
-            </a:r>
+              <a:t> </a:t>
+            </a:r>
+            <a:r>
+              <a:rPr lang="en-US" sz="1800" dirty="0" smtClean="0"/>
+              <a:t>.</a:t>
+            </a:r>
+            <a:br>
+              <a:rPr lang="en-US" sz="1800" dirty="0" smtClean="0"/>
+            </a:br>
+            <a:r>
+              <a:rPr lang="en-US" sz="1800" dirty="0" smtClean="0"/>
+              <a:t> </a:t>
+            </a:r>
+            <a:endParaRPr lang="en-US" sz="1800" dirty="0"/>
           </a:p>
           <a:p>
             <a:pPr marL="0" indent="0">
@@ -14095,7 +14363,7 @@
                   </a:srgbClr>
                 </a:solidFill>
               </a:rPr>
-              <a:t>5/4/2015</a:t>
+              <a:t>5/6/2015</a:t>
             </a:fld>
             <a:endParaRPr lang="en-US" dirty="0">
               <a:solidFill>
@@ -14196,6 +14464,13 @@
   <p:clrMapOvr>
     <a:masterClrMapping/>
   </p:clrMapOvr>
+  <p:timing>
+    <p:tnLst>
+      <p:par>
+        <p:cTn id="1" dur="indefinite" restart="never" nodeType="tmRoot"/>
+      </p:par>
+    </p:tnLst>
+  </p:timing>
 </p:sld>
 </file>
 
@@ -14231,7 +14506,15 @@
           <a:bodyPr/>
           <a:lstStyle/>
           <a:p>
-            <a:endParaRPr lang="en-US"/>
+            <a:r>
+              <a:rPr lang="en-US" dirty="0"/>
+              <a:t>Rails on Windows </a:t>
+            </a:r>
+            <a:r>
+              <a:rPr lang="en-US" dirty="0" smtClean="0"/>
+              <a:t>4</a:t>
+            </a:r>
+            <a:endParaRPr lang="en-US" dirty="0"/>
           </a:p>
         </p:txBody>
       </p:sp>
@@ -14270,24 +14553,29 @@
             </a:r>
             <a:r>
               <a:rPr lang="en-US" sz="1800" dirty="0" smtClean="0"/>
-              <a:t> with the Ruby installation, navigate to the </a:t>
-            </a:r>
-            <a:r>
-              <a:rPr lang="en-US" sz="1800" dirty="0" err="1"/>
+              <a:t> </a:t>
+            </a:r>
+            <a:r>
+              <a:rPr lang="en-US" sz="1800" dirty="0" smtClean="0"/>
+              <a:t>to the </a:t>
+            </a:r>
+            <a:r>
+              <a:rPr lang="en-US" sz="1800" dirty="0" smtClean="0"/>
+              <a:t>Ruby installation, navigate to the </a:t>
+            </a:r>
+            <a:r>
+              <a:rPr lang="en-US" sz="1800" dirty="0" smtClean="0"/>
+              <a:t>directory where </a:t>
+            </a:r>
+            <a:r>
+              <a:rPr lang="en-US" sz="1800" dirty="0" err="1" smtClean="0"/>
               <a:t>DevKit</a:t>
             </a:r>
             <a:r>
-              <a:rPr lang="en-US" sz="1800" dirty="0"/>
-              <a:t> </a:t>
-            </a:r>
-            <a:r>
-              <a:rPr lang="en-US" sz="1800" dirty="0" smtClean="0"/>
-              <a:t>install directory</a:t>
-            </a:r>
-            <a:r>
-              <a:rPr lang="en-US" sz="1800" dirty="0"/>
-              <a:t>.</a:t>
-            </a:r>
+              <a:rPr lang="en-US" sz="1800" dirty="0" smtClean="0"/>
+              <a:t> installed.</a:t>
+            </a:r>
+            <a:endParaRPr lang="en-US" sz="1800" dirty="0"/>
           </a:p>
           <a:p>
             <a:pPr marL="457200" indent="-457200">
@@ -14373,7 +14661,7 @@
                   </a:srgbClr>
                 </a:solidFill>
               </a:rPr>
-              <a:t>5/4/2015</a:t>
+              <a:t>5/6/2015</a:t>
             </a:fld>
             <a:endParaRPr lang="en-US" dirty="0">
               <a:solidFill>
@@ -14506,6 +14794,13 @@
   <p:clrMapOvr>
     <a:masterClrMapping/>
   </p:clrMapOvr>
+  <p:timing>
+    <p:tnLst>
+      <p:par>
+        <p:cTn id="1" dur="indefinite" restart="never" nodeType="tmRoot"/>
+      </p:par>
+    </p:tnLst>
+  </p:timing>
 </p:sld>
 </file>
 
@@ -14541,7 +14836,15 @@
           <a:bodyPr/>
           <a:lstStyle/>
           <a:p>
-            <a:endParaRPr lang="en-US"/>
+            <a:r>
+              <a:rPr lang="en-US" dirty="0"/>
+              <a:t>Rails on Windows </a:t>
+            </a:r>
+            <a:r>
+              <a:rPr lang="en-US" dirty="0" smtClean="0"/>
+              <a:t>5</a:t>
+            </a:r>
+            <a:endParaRPr lang="en-US" dirty="0"/>
           </a:p>
         </p:txBody>
       </p:sp>
@@ -14622,7 +14925,7 @@
                   </a:srgbClr>
                 </a:solidFill>
               </a:rPr>
-              <a:t>5/4/2015</a:t>
+              <a:t>5/6/2015</a:t>
             </a:fld>
             <a:endParaRPr lang="en-US" dirty="0">
               <a:solidFill>
@@ -14755,6 +15058,13 @@
   <p:clrMapOvr>
     <a:masterClrMapping/>
   </p:clrMapOvr>
+  <p:timing>
+    <p:tnLst>
+      <p:par>
+        <p:cTn id="1" dur="indefinite" restart="never" nodeType="tmRoot"/>
+      </p:par>
+    </p:tnLst>
+  </p:timing>
 </p:sld>
 </file>
 
@@ -14790,7 +15100,11 @@
           <a:bodyPr/>
           <a:lstStyle/>
           <a:p>
-            <a:endParaRPr lang="en-US"/>
+            <a:r>
+              <a:rPr lang="en-US" dirty="0" smtClean="0"/>
+              <a:t>Ruby</a:t>
+            </a:r>
+            <a:endParaRPr lang="en-US" dirty="0"/>
           </a:p>
         </p:txBody>
       </p:sp>
@@ -14804,7 +15118,12 @@
             <p:ph idx="1"/>
           </p:nvPr>
         </p:nvSpPr>
-        <p:spPr/>
+        <p:spPr>
+          <a:xfrm>
+            <a:off x="457200" y="1600200"/>
+            <a:ext cx="8229600" cy="4114799"/>
+          </a:xfrm>
+        </p:spPr>
         <p:txBody>
           <a:bodyPr>
             <a:noAutofit/>
@@ -14812,58 +15131,68 @@
           <a:lstStyle/>
           <a:p>
             <a:r>
-              <a:rPr lang="en-US" sz="2400" dirty="0"/>
+              <a:rPr lang="en-US" sz="2000" dirty="0"/>
               <a:t>Ruby (not to be confused with ‘Ruby on Rails’) is a dynamic, Object Oriented, cross-platform, open-source, general-purpose programming language written in </a:t>
             </a:r>
             <a:r>
-              <a:rPr lang="en-US" sz="2400" dirty="0" smtClean="0"/>
-              <a:t>C.  </a:t>
-            </a:r>
-            <a:endParaRPr lang="en-US" sz="2400" dirty="0"/>
+              <a:rPr lang="en-US" sz="2000" dirty="0" smtClean="0"/>
+              <a:t>C </a:t>
+            </a:r>
+          </a:p>
+          <a:p>
+            <a:r>
+              <a:rPr lang="en-US" sz="2000" dirty="0" smtClean="0"/>
+              <a:t>Initial development in mid 1990s by Yukihiro Matsumoto</a:t>
+            </a:r>
+          </a:p>
+          <a:p>
+            <a:r>
+              <a:rPr lang="en-US" sz="2000" dirty="0" smtClean="0"/>
+              <a:t>Gained wide acceptance and popularity </a:t>
+            </a:r>
+          </a:p>
+          <a:p>
+            <a:r>
+              <a:rPr lang="en-US" sz="2000" dirty="0" smtClean="0"/>
+              <a:t>Ruby has 100’s of </a:t>
+            </a:r>
+            <a:r>
+              <a:rPr lang="en-US" sz="2000" dirty="0" err="1" smtClean="0"/>
+              <a:t>RubyGems</a:t>
+            </a:r>
+            <a:r>
+              <a:rPr lang="en-US" sz="2000" dirty="0" smtClean="0"/>
+              <a:t> available for specialized tasks</a:t>
+            </a:r>
+            <a:endParaRPr lang="en-US" sz="2000" dirty="0"/>
           </a:p>
           <a:p>
             <a:pPr lvl="0"/>
             <a:r>
-              <a:rPr lang="en-US" sz="2400" dirty="0" smtClean="0"/>
-              <a:t>Ruby project on GitHub - </a:t>
-            </a:r>
-            <a:r>
-              <a:rPr lang="en-US" sz="2400" u="sng" dirty="0">
-                <a:hlinkClick r:id="rId2"/>
-              </a:rPr>
-              <a:t>https://</a:t>
-            </a:r>
-            <a:r>
-              <a:rPr lang="en-US" sz="2400" u="sng" dirty="0" smtClean="0">
-                <a:hlinkClick r:id="rId2"/>
-              </a:rPr>
-              <a:t>github.com/ruby</a:t>
-            </a:r>
-            <a:endParaRPr lang="en-US" sz="2400" u="sng" dirty="0" smtClean="0"/>
+              <a:rPr lang="en-US" sz="2000" dirty="0" smtClean="0"/>
+              <a:t>Interpretive </a:t>
+            </a:r>
+            <a:r>
+              <a:rPr lang="en-US" sz="2000" dirty="0" smtClean="0"/>
+              <a:t>language</a:t>
+            </a:r>
           </a:p>
           <a:p>
             <a:pPr lvl="0"/>
             <a:r>
-              <a:rPr lang="en-US" sz="2400" dirty="0" smtClean="0"/>
-              <a:t>Interpretive language</a:t>
-            </a:r>
-          </a:p>
-          <a:p>
-            <a:pPr lvl="0"/>
-            <a:r>
-              <a:rPr lang="en-US" sz="2400" dirty="0" smtClean="0"/>
+              <a:rPr lang="en-US" sz="2000" dirty="0" smtClean="0"/>
               <a:t>The </a:t>
             </a:r>
             <a:r>
-              <a:rPr lang="en-US" sz="2400" dirty="0" err="1"/>
+              <a:rPr lang="en-US" sz="2000" dirty="0" err="1"/>
               <a:t>MinGW</a:t>
             </a:r>
             <a:r>
-              <a:rPr lang="en-US" sz="2400" dirty="0"/>
+              <a:rPr lang="en-US" sz="2000" dirty="0"/>
               <a:t> compiler is used for Windows </a:t>
             </a:r>
             <a:r>
-              <a:rPr lang="en-US" sz="2400" dirty="0" smtClean="0"/>
+              <a:rPr lang="en-US" sz="2000" dirty="0" smtClean="0"/>
               <a:t>installations</a:t>
             </a:r>
           </a:p>
@@ -14871,7 +15200,21 @@
             <a:pPr marL="0" lvl="0" indent="0">
               <a:buNone/>
             </a:pPr>
-            <a:endParaRPr lang="en-US" sz="2400" dirty="0"/>
+            <a:endParaRPr lang="en-US" sz="2000" dirty="0"/>
+          </a:p>
+          <a:p>
+            <a:pPr lvl="0"/>
+            <a:r>
+              <a:rPr lang="en-US" sz="2000" dirty="0" smtClean="0"/>
+              <a:t>Ruby project on GitHub - </a:t>
+            </a:r>
+            <a:r>
+              <a:rPr lang="en-US" sz="2000" u="sng" dirty="0" smtClean="0">
+                <a:hlinkClick r:id="rId3"/>
+              </a:rPr>
+              <a:t>https://github.com/ruby</a:t>
+            </a:r>
+            <a:endParaRPr lang="en-US" sz="2000" u="sng" dirty="0" smtClean="0"/>
           </a:p>
         </p:txBody>
       </p:sp>
@@ -14901,7 +15244,7 @@
                   </a:srgbClr>
                 </a:solidFill>
               </a:rPr>
-              <a:t>5/4/2015</a:t>
+              <a:t>5/6/2015</a:t>
             </a:fld>
             <a:endParaRPr lang="en-US" dirty="0">
               <a:solidFill>
@@ -15002,6 +15345,13 @@
   <p:clrMapOvr>
     <a:masterClrMapping/>
   </p:clrMapOvr>
+  <p:timing>
+    <p:tnLst>
+      <p:par>
+        <p:cTn id="1" dur="indefinite" restart="never" nodeType="tmRoot"/>
+      </p:par>
+    </p:tnLst>
+  </p:timing>
 </p:sld>
 </file>
 
@@ -15037,7 +15387,15 @@
           <a:bodyPr/>
           <a:lstStyle/>
           <a:p>
-            <a:endParaRPr lang="en-US"/>
+            <a:r>
+              <a:rPr lang="en-US" dirty="0"/>
+              <a:t>Rails on Windows </a:t>
+            </a:r>
+            <a:r>
+              <a:rPr lang="en-US" dirty="0" smtClean="0"/>
+              <a:t>6</a:t>
+            </a:r>
+            <a:endParaRPr lang="en-US" dirty="0"/>
           </a:p>
         </p:txBody>
       </p:sp>
@@ -15064,15 +15422,27 @@
             </a:pPr>
             <a:r>
               <a:rPr lang="en-US" sz="1800" dirty="0"/>
-              <a:t>With the PATH now defined to </a:t>
-            </a:r>
-            <a:r>
-              <a:rPr lang="en-US" sz="1800" dirty="0" err="1"/>
+              <a:t>With the </a:t>
+            </a:r>
+            <a:r>
+              <a:rPr lang="en-US" sz="1800" dirty="0" err="1" smtClean="0"/>
               <a:t>DevKit</a:t>
             </a:r>
             <a:r>
+              <a:rPr lang="en-US" sz="1800" dirty="0" smtClean="0"/>
+              <a:t> PATH </a:t>
+            </a:r>
+            <a:r>
               <a:rPr lang="en-US" sz="1800" dirty="0"/>
-              <a:t>, try for a properly installed version of the </a:t>
+              <a:t>now defined to </a:t>
+            </a:r>
+            <a:r>
+              <a:rPr lang="en-US" sz="1800" dirty="0" smtClean="0"/>
+              <a:t>Ruby, </a:t>
+            </a:r>
+            <a:r>
+              <a:rPr lang="en-US" sz="1800" dirty="0"/>
+              <a:t>try for a properly installed version of the </a:t>
             </a:r>
             <a:r>
               <a:rPr lang="en-US" sz="1800" dirty="0" err="1"/>
@@ -15080,11 +15450,7 @@
             </a:r>
             <a:r>
               <a:rPr lang="en-US" sz="1800" dirty="0"/>
-              <a:t> gem.  </a:t>
-            </a:r>
-            <a:r>
-              <a:rPr lang="en-US" sz="1800" dirty="0"/>
-              <a:t>From the command line type: </a:t>
+              <a:t> gem.  From the command line type: </a:t>
             </a:r>
             <a:r>
               <a:rPr lang="en-US" sz="1800" dirty="0" smtClean="0"/>
@@ -15153,7 +15519,7 @@
                   </a:srgbClr>
                 </a:solidFill>
               </a:rPr>
-              <a:t>5/4/2015</a:t>
+              <a:t>5/6/2015</a:t>
             </a:fld>
             <a:endParaRPr lang="en-US" dirty="0">
               <a:solidFill>
@@ -15286,6 +15652,13 @@
   <p:clrMapOvr>
     <a:masterClrMapping/>
   </p:clrMapOvr>
+  <p:timing>
+    <p:tnLst>
+      <p:par>
+        <p:cTn id="1" dur="indefinite" restart="never" nodeType="tmRoot"/>
+      </p:par>
+    </p:tnLst>
+  </p:timing>
 </p:sld>
 </file>
 
@@ -15338,7 +15711,11 @@
           <a:bodyPr/>
           <a:lstStyle/>
           <a:p>
-            <a:endParaRPr lang="en-US"/>
+            <a:r>
+              <a:rPr lang="en-US" dirty="0"/>
+              <a:t>Rails on Windows 7</a:t>
+            </a:r>
+            <a:endParaRPr lang="en-US" dirty="0"/>
           </a:p>
         </p:txBody>
       </p:sp>
@@ -15435,7 +15812,7 @@
                   </a:srgbClr>
                 </a:solidFill>
               </a:rPr>
-              <a:t>5/4/2015</a:t>
+              <a:t>5/6/2015</a:t>
             </a:fld>
             <a:endParaRPr lang="en-US" dirty="0">
               <a:solidFill>
@@ -15568,6 +15945,13 @@
   <p:clrMapOvr>
     <a:overrideClrMapping bg1="lt1" tx1="dk1" bg2="lt2" tx2="dk2" accent1="accent1" accent2="accent2" accent3="accent3" accent4="accent4" accent5="accent5" accent6="accent6" hlink="hlink" folHlink="folHlink"/>
   </p:clrMapOvr>
+  <p:timing>
+    <p:tnLst>
+      <p:par>
+        <p:cTn id="1" dur="indefinite" restart="never" nodeType="tmRoot"/>
+      </p:par>
+    </p:tnLst>
+  </p:timing>
 </p:sld>
 </file>
 
@@ -15620,7 +16004,15 @@
           <a:bodyPr/>
           <a:lstStyle/>
           <a:p>
-            <a:endParaRPr lang="en-US"/>
+            <a:r>
+              <a:rPr lang="en-US" dirty="0"/>
+              <a:t>Rails on Windows </a:t>
+            </a:r>
+            <a:r>
+              <a:rPr lang="en-US" dirty="0" smtClean="0"/>
+              <a:t>8</a:t>
+            </a:r>
+            <a:endParaRPr lang="en-US" dirty="0"/>
           </a:p>
         </p:txBody>
       </p:sp>
@@ -15647,11 +16039,23 @@
             </a:pPr>
             <a:r>
               <a:rPr lang="en-US" sz="1800" dirty="0"/>
-              <a:t>To test the new web site navigate to its directory and start the rails server.  </a:t>
+              <a:t>To test </a:t>
+            </a:r>
+            <a:r>
+              <a:rPr lang="en-US" sz="1800" dirty="0" smtClean="0"/>
+              <a:t>our new </a:t>
             </a:r>
             <a:r>
               <a:rPr lang="en-US" sz="1800" dirty="0"/>
-              <a:t>From the command line type: </a:t>
+              <a:t>web </a:t>
+            </a:r>
+            <a:r>
+              <a:rPr lang="en-US" sz="1800" dirty="0" smtClean="0"/>
+              <a:t>site, </a:t>
+            </a:r>
+            <a:r>
+              <a:rPr lang="en-US" sz="1800" dirty="0"/>
+              <a:t>navigate to its directory and start the rails server.  From the command line type: </a:t>
             </a:r>
             <a:r>
               <a:rPr lang="en-US" sz="1800" dirty="0" smtClean="0"/>
@@ -15713,7 +16117,7 @@
                   </a:srgbClr>
                 </a:solidFill>
               </a:rPr>
-              <a:t>5/4/2015</a:t>
+              <a:t>5/6/2015</a:t>
             </a:fld>
             <a:endParaRPr lang="en-US" dirty="0">
               <a:solidFill>
@@ -15846,6 +16250,13 @@
   <p:clrMapOvr>
     <a:overrideClrMapping bg1="lt1" tx1="dk1" bg2="lt2" tx2="dk2" accent1="accent1" accent2="accent2" accent3="accent3" accent4="accent4" accent5="accent5" accent6="accent6" hlink="hlink" folHlink="folHlink"/>
   </p:clrMapOvr>
+  <p:timing>
+    <p:tnLst>
+      <p:par>
+        <p:cTn id="1" dur="indefinite" restart="never" nodeType="tmRoot"/>
+      </p:par>
+    </p:tnLst>
+  </p:timing>
 </p:sld>
 </file>
 
@@ -15881,7 +16292,15 @@
           <a:bodyPr/>
           <a:lstStyle/>
           <a:p>
-            <a:endParaRPr lang="en-US"/>
+            <a:r>
+              <a:rPr lang="en-US" dirty="0"/>
+              <a:t>Rails on Windows </a:t>
+            </a:r>
+            <a:r>
+              <a:rPr lang="en-US" dirty="0" smtClean="0"/>
+              <a:t>9</a:t>
+            </a:r>
+            <a:endParaRPr lang="en-US" dirty="0"/>
           </a:p>
         </p:txBody>
       </p:sp>
@@ -15994,7 +16413,7 @@
                   </a:srgbClr>
                 </a:solidFill>
               </a:rPr>
-              <a:t>5/4/2015</a:t>
+              <a:t>5/6/2015</a:t>
             </a:fld>
             <a:endParaRPr lang="en-US" dirty="0">
               <a:solidFill>
@@ -16127,6 +16546,13 @@
   <p:clrMapOvr>
     <a:masterClrMapping/>
   </p:clrMapOvr>
+  <p:timing>
+    <p:tnLst>
+      <p:par>
+        <p:cTn id="1" dur="indefinite" restart="never" nodeType="tmRoot"/>
+      </p:par>
+    </p:tnLst>
+  </p:timing>
 </p:sld>
 </file>
 
@@ -16162,7 +16588,15 @@
           <a:bodyPr/>
           <a:lstStyle/>
           <a:p>
-            <a:endParaRPr lang="en-US"/>
+            <a:r>
+              <a:rPr lang="en-US" dirty="0"/>
+              <a:t>Rails on Windows </a:t>
+            </a:r>
+            <a:r>
+              <a:rPr lang="en-US" dirty="0" smtClean="0"/>
+              <a:t>10</a:t>
+            </a:r>
+            <a:endParaRPr lang="en-US" dirty="0"/>
           </a:p>
         </p:txBody>
       </p:sp>
@@ -16189,12 +16623,21 @@
             </a:pPr>
             <a:r>
               <a:rPr lang="en-US" sz="1800" dirty="0"/>
-              <a:t>For more information about the installation click the ‘About you application’s environment’ and Rails will display information about the software and version</a:t>
-            </a:r>
-            <a:r>
-              <a:rPr lang="en-US" sz="1800" dirty="0" smtClean="0"/>
-              <a:t>. </a:t>
-            </a:r>
+              <a:t>For more information about the installation click the ‘About </a:t>
+            </a:r>
+            <a:r>
+              <a:rPr lang="en-US" sz="1800" dirty="0" smtClean="0"/>
+              <a:t>your </a:t>
+            </a:r>
+            <a:r>
+              <a:rPr lang="en-US" sz="1800" dirty="0"/>
+              <a:t>application’s environment’ and Rails will display information about the software and </a:t>
+            </a:r>
+            <a:r>
+              <a:rPr lang="en-US" sz="1800" dirty="0" smtClean="0"/>
+              <a:t>version used. </a:t>
+            </a:r>
+            <a:endParaRPr lang="en-US" sz="1800" dirty="0" smtClean="0"/>
           </a:p>
           <a:p>
             <a:pPr marL="457200" lvl="0" indent="-457200">
@@ -16267,7 +16710,7 @@
                   </a:srgbClr>
                 </a:solidFill>
               </a:rPr>
-              <a:t>5/4/2015</a:t>
+              <a:t>5/6/2015</a:t>
             </a:fld>
             <a:endParaRPr lang="en-US" dirty="0">
               <a:solidFill>
@@ -16400,6 +16843,13 @@
   <p:clrMapOvr>
     <a:masterClrMapping/>
   </p:clrMapOvr>
+  <p:timing>
+    <p:tnLst>
+      <p:par>
+        <p:cTn id="1" dur="indefinite" restart="never" nodeType="tmRoot"/>
+      </p:par>
+    </p:tnLst>
+  </p:timing>
 </p:sld>
 </file>
 
@@ -16435,7 +16885,15 @@
           <a:bodyPr/>
           <a:lstStyle/>
           <a:p>
-            <a:endParaRPr lang="en-US"/>
+            <a:r>
+              <a:rPr lang="en-US" dirty="0"/>
+              <a:t>Rails on Windows </a:t>
+            </a:r>
+            <a:r>
+              <a:rPr lang="en-US" dirty="0" smtClean="0"/>
+              <a:t>11</a:t>
+            </a:r>
+            <a:endParaRPr lang="en-US" dirty="0"/>
           </a:p>
         </p:txBody>
       </p:sp>
@@ -16478,7 +16936,15 @@
             </a:r>
             <a:r>
               <a:rPr lang="en-US" sz="1800" dirty="0"/>
-              <a:t>’.  Windows does not include a time-zone table with the operating system so you need to download one.  Rails will automatically set one up for Windows x32 but not x64.  Edit the ‘</a:t>
+              <a:t>’.  Windows does not include a time-zone table with the operating system so you need to download one.  Rails will automatically set one up for Windows x32 but not x64.  </a:t>
+            </a:r>
+            <a:r>
+              <a:rPr lang="en-US" sz="1800" dirty="0" smtClean="0"/>
+              <a:t>Find the </a:t>
+            </a:r>
+            <a:r>
+              <a:rPr lang="en-US" sz="1800" dirty="0"/>
+              <a:t>‘</a:t>
             </a:r>
             <a:r>
               <a:rPr lang="en-US" sz="1800" dirty="0" err="1"/>
@@ -16541,7 +17007,7 @@
             </a:pPr>
             <a:r>
               <a:rPr lang="en-US" sz="1600" dirty="0" smtClean="0"/>
-              <a:t>to </a:t>
+              <a:t>edit to </a:t>
             </a:r>
             <a:r>
               <a:rPr lang="en-US" sz="1600" dirty="0"/>
@@ -16558,11 +17024,7 @@
             </a:pPr>
             <a:r>
               <a:rPr lang="en-US" sz="1600" i="1" dirty="0"/>
-              <a:t>gem </a:t>
-            </a:r>
-            <a:r>
-              <a:rPr lang="en-US" sz="1600" i="1" dirty="0"/>
-              <a:t>'</a:t>
+              <a:t>gem '</a:t>
             </a:r>
             <a:r>
               <a:rPr lang="en-US" sz="1600" i="1" dirty="0" err="1"/>
@@ -16596,11 +17058,27 @@
             </a:pPr>
             <a:r>
               <a:rPr lang="en-US" sz="1800" dirty="0" smtClean="0"/>
-              <a:t>Run RubyGem ‘bundler’ </a:t>
+              <a:t>Run </a:t>
+            </a:r>
+            <a:r>
+              <a:rPr lang="en-US" sz="1800" dirty="0" smtClean="0"/>
+              <a:t>another gem installed with Rails, </a:t>
+            </a:r>
+            <a:r>
+              <a:rPr lang="en-US" sz="1800" dirty="0" smtClean="0"/>
+              <a:t>‘bundler</a:t>
+            </a:r>
+            <a:r>
+              <a:rPr lang="en-US" sz="1800" dirty="0" smtClean="0"/>
+              <a:t>’.  Bundler tell Rails the gems and their versions to use with your Rails web site.  From </a:t>
             </a:r>
             <a:r>
               <a:rPr lang="en-US" sz="1800" dirty="0"/>
-              <a:t>from the terminal prompt to update the gem </a:t>
+              <a:t>the terminal prompt to update the </a:t>
+            </a:r>
+            <a:r>
+              <a:rPr lang="en-US" sz="1800" dirty="0" smtClean="0"/>
+              <a:t>web site’s gem </a:t>
             </a:r>
             <a:r>
               <a:rPr lang="en-US" sz="1800" dirty="0" smtClean="0"/>
@@ -16615,6 +17093,10 @@
             <a:r>
               <a:rPr lang="en-US" sz="1800" dirty="0" smtClean="0"/>
               <a:t>Now you are ready.  </a:t>
+            </a:r>
+            <a:r>
+              <a:rPr lang="en-US" sz="1800" dirty="0" smtClean="0"/>
+              <a:t>Really…</a:t>
             </a:r>
             <a:endParaRPr lang="en-US" sz="1800" dirty="0"/>
           </a:p>
@@ -16653,7 +17135,7 @@
                   </a:srgbClr>
                 </a:solidFill>
               </a:rPr>
-              <a:t>5/4/2015</a:t>
+              <a:t>5/6/2015</a:t>
             </a:fld>
             <a:endParaRPr lang="en-US" dirty="0">
               <a:solidFill>
@@ -16830,7 +17312,7 @@
                   </a:srgbClr>
                 </a:solidFill>
               </a:rPr>
-              <a:t>5/4/2015</a:t>
+              <a:t>5/6/2015</a:t>
             </a:fld>
             <a:endParaRPr lang="en-US" dirty="0">
               <a:solidFill>
@@ -17005,7 +17487,11 @@
           <a:bodyPr/>
           <a:lstStyle/>
           <a:p>
-            <a:endParaRPr lang="en-US"/>
+            <a:r>
+              <a:rPr lang="en-US" dirty="0" smtClean="0"/>
+              <a:t>Ruby on Windows 1</a:t>
+            </a:r>
+            <a:endParaRPr lang="en-US" dirty="0"/>
           </a:p>
         </p:txBody>
       </p:sp>
@@ -17058,7 +17544,15 @@
             </a:r>
             <a:r>
               <a:rPr lang="en-US" sz="1800" dirty="0"/>
-              <a:t>this example.  Version for 2.2.0 is </a:t>
+              <a:t>this example.  Version for </a:t>
+            </a:r>
+            <a:r>
+              <a:rPr lang="en-US" sz="1800" dirty="0" smtClean="0"/>
+              <a:t>2.2.2 </a:t>
+            </a:r>
+            <a:r>
+              <a:rPr lang="en-US" sz="1800" dirty="0"/>
+              <a:t>is </a:t>
             </a:r>
             <a:r>
               <a:rPr lang="en-US" sz="1800" dirty="0" smtClean="0"/>
@@ -17216,7 +17710,7 @@
                   </a:srgbClr>
                 </a:solidFill>
               </a:rPr>
-              <a:t>5/4/2015</a:t>
+              <a:t>5/6/2015</a:t>
             </a:fld>
             <a:endParaRPr lang="en-US" dirty="0">
               <a:solidFill>
@@ -17349,6 +17843,13 @@
   <p:clrMapOvr>
     <a:masterClrMapping/>
   </p:clrMapOvr>
+  <p:timing>
+    <p:tnLst>
+      <p:par>
+        <p:cTn id="1" dur="indefinite" restart="never" nodeType="tmRoot"/>
+      </p:par>
+    </p:tnLst>
+  </p:timing>
 </p:sld>
 </file>
 
@@ -17384,7 +17885,15 @@
           <a:bodyPr/>
           <a:lstStyle/>
           <a:p>
-            <a:endParaRPr lang="en-US"/>
+            <a:r>
+              <a:rPr lang="en-US" dirty="0"/>
+              <a:t>Ruby on Windows </a:t>
+            </a:r>
+            <a:r>
+              <a:rPr lang="en-US" dirty="0" smtClean="0"/>
+              <a:t>2</a:t>
+            </a:r>
+            <a:endParaRPr lang="en-US" dirty="0"/>
           </a:p>
         </p:txBody>
       </p:sp>
@@ -17416,23 +17925,35 @@
             </a:pPr>
             <a:r>
               <a:rPr lang="en-US" sz="1800" dirty="0"/>
-              <a:t>Provide a location for the installation.  </a:t>
+              <a:t>Provide a location for the installation.  I </a:t>
+            </a:r>
+            <a:r>
+              <a:rPr lang="en-US" sz="1800" dirty="0" smtClean="0"/>
+              <a:t>use </a:t>
             </a:r>
             <a:r>
               <a:rPr lang="en-US" sz="1800" dirty="0"/>
-              <a:t>I </a:t>
-            </a:r>
-            <a:r>
-              <a:rPr lang="en-US" sz="1800" dirty="0" smtClean="0"/>
-              <a:t>use </a:t>
+              <a:t>the root of the C:\ drive to be sure </a:t>
+            </a:r>
+            <a:r>
+              <a:rPr lang="en-US" sz="1800" dirty="0" smtClean="0"/>
+              <a:t>the binaries are </a:t>
             </a:r>
             <a:r>
               <a:rPr lang="en-US" sz="1800" dirty="0"/>
-              <a:t>the root of the C:\ drive to be sure access is simple for all Ruby </a:t>
-            </a:r>
-            <a:r>
-              <a:rPr lang="en-US" sz="1800" dirty="0" smtClean="0"/>
-              <a:t>programs.  </a:t>
+              <a:t>simple for all Ruby </a:t>
+            </a:r>
+            <a:r>
+              <a:rPr lang="en-US" sz="1800" dirty="0" smtClean="0"/>
+              <a:t>programs to </a:t>
+            </a:r>
+            <a:r>
+              <a:rPr lang="en-US" sz="1800" dirty="0" err="1" smtClean="0"/>
+              <a:t>fild</a:t>
+            </a:r>
+            <a:r>
+              <a:rPr lang="en-US" sz="1800" dirty="0" smtClean="0"/>
+              <a:t>.  </a:t>
             </a:r>
             <a:r>
               <a:rPr lang="en-US" sz="1800" dirty="0"/>
@@ -17488,12 +18009,12 @@
               <a:t>newer </a:t>
             </a:r>
             <a:r>
-              <a:rPr lang="en-US" sz="1800" dirty="0"/>
-              <a:t>version </a:t>
-            </a:r>
-            <a:r>
-              <a:rPr lang="en-US" sz="1800" dirty="0" smtClean="0"/>
-              <a:t>as they </a:t>
+              <a:rPr lang="en-US" sz="1800" dirty="0" smtClean="0"/>
+              <a:t>releases as </a:t>
+            </a:r>
+            <a:r>
+              <a:rPr lang="en-US" sz="1800" dirty="0" smtClean="0"/>
+              <a:t>they </a:t>
             </a:r>
             <a:br>
               <a:rPr lang="en-US" sz="1800" dirty="0" smtClean="0"/>
@@ -17643,7 +18164,7 @@
                   </a:srgbClr>
                 </a:solidFill>
               </a:rPr>
-              <a:t>5/4/2015</a:t>
+              <a:t>5/6/2015</a:t>
             </a:fld>
             <a:endParaRPr lang="en-US" dirty="0">
               <a:solidFill>
@@ -17683,13 +18204,6 @@
               </a:rPr>
               <a:t>www.adiwg.org</a:t>
             </a:r>
-            <a:endParaRPr lang="en-US" dirty="0" smtClean="0">
-              <a:solidFill>
-                <a:srgbClr val="04617B">
-                  <a:shade val="90000"/>
-                </a:srgbClr>
-              </a:solidFill>
-            </a:endParaRPr>
           </a:p>
         </p:txBody>
       </p:sp>
@@ -17776,6 +18290,13 @@
   <p:clrMapOvr>
     <a:masterClrMapping/>
   </p:clrMapOvr>
+  <p:timing>
+    <p:tnLst>
+      <p:par>
+        <p:cTn id="1" dur="indefinite" restart="never" nodeType="tmRoot"/>
+      </p:par>
+    </p:tnLst>
+  </p:timing>
 </p:sld>
 </file>
 
@@ -17811,7 +18332,15 @@
           <a:bodyPr/>
           <a:lstStyle/>
           <a:p>
-            <a:endParaRPr lang="en-US"/>
+            <a:r>
+              <a:rPr lang="en-US" dirty="0"/>
+              <a:t>Ruby on Windows </a:t>
+            </a:r>
+            <a:r>
+              <a:rPr lang="en-US" dirty="0" smtClean="0"/>
+              <a:t>3</a:t>
+            </a:r>
+            <a:endParaRPr lang="en-US" dirty="0"/>
           </a:p>
         </p:txBody>
       </p:sp>
@@ -17837,8 +18366,26 @@
               <a:buAutoNum type="arabicPeriod" startAt="7"/>
             </a:pPr>
             <a:r>
+              <a:rPr lang="en-US" sz="1800" dirty="0" smtClean="0"/>
+              <a:t>The installations is complete. </a:t>
+            </a:r>
+            <a:br>
+              <a:rPr lang="en-US" sz="1800" dirty="0" smtClean="0"/>
+            </a:br>
+            <a:r>
+              <a:rPr lang="en-US" sz="1800" dirty="0" smtClean="0"/>
+              <a:t>So let’s verify it. </a:t>
+            </a:r>
+            <a:br>
+              <a:rPr lang="en-US" sz="1800" dirty="0" smtClean="0"/>
+            </a:br>
+            <a:r>
+              <a:rPr lang="en-US" sz="1800" dirty="0" smtClean="0"/>
+              <a:t>Check </a:t>
+            </a:r>
+            <a:r>
               <a:rPr lang="en-US" sz="1800" dirty="0"/>
-              <a:t>Check that the path was </a:t>
+              <a:t>that the path was </a:t>
             </a:r>
             <a:r>
               <a:rPr lang="en-US" sz="1800" dirty="0" smtClean="0"/>
@@ -17996,7 +18543,7 @@
                   </a:srgbClr>
                 </a:solidFill>
               </a:rPr>
-              <a:t>5/4/2015</a:t>
+              <a:t>5/6/2015</a:t>
             </a:fld>
             <a:endParaRPr lang="en-US" dirty="0">
               <a:solidFill>
@@ -18129,6 +18676,13 @@
   <p:clrMapOvr>
     <a:masterClrMapping/>
   </p:clrMapOvr>
+  <p:timing>
+    <p:tnLst>
+      <p:par>
+        <p:cTn id="1" dur="indefinite" restart="never" nodeType="tmRoot"/>
+      </p:par>
+    </p:tnLst>
+  </p:timing>
 </p:sld>
 </file>
 
@@ -18164,7 +18718,15 @@
           <a:bodyPr/>
           <a:lstStyle/>
           <a:p>
-            <a:endParaRPr lang="en-US"/>
+            <a:r>
+              <a:rPr lang="en-US" dirty="0"/>
+              <a:t>Ruby on Windows </a:t>
+            </a:r>
+            <a:r>
+              <a:rPr lang="en-US" dirty="0" smtClean="0"/>
+              <a:t>4</a:t>
+            </a:r>
+            <a:endParaRPr lang="en-US" dirty="0"/>
           </a:p>
         </p:txBody>
       </p:sp>
@@ -18259,7 +18821,7 @@
                   </a:srgbClr>
                 </a:solidFill>
               </a:rPr>
-              <a:t>5/4/2015</a:t>
+              <a:t>5/6/2015</a:t>
             </a:fld>
             <a:endParaRPr lang="en-US" dirty="0">
               <a:solidFill>
@@ -18392,6 +18954,13 @@
   <p:clrMapOvr>
     <a:masterClrMapping/>
   </p:clrMapOvr>
+  <p:timing>
+    <p:tnLst>
+      <p:par>
+        <p:cTn id="1" dur="indefinite" restart="never" nodeType="tmRoot"/>
+      </p:par>
+    </p:tnLst>
+  </p:timing>
 </p:sld>
 </file>
 
@@ -18427,7 +18996,15 @@
           <a:bodyPr/>
           <a:lstStyle/>
           <a:p>
-            <a:endParaRPr lang="en-US"/>
+            <a:r>
+              <a:rPr lang="en-US" dirty="0"/>
+              <a:t>Ruby on Windows </a:t>
+            </a:r>
+            <a:r>
+              <a:rPr lang="en-US" dirty="0" smtClean="0"/>
+              <a:t>5</a:t>
+            </a:r>
+            <a:endParaRPr lang="en-US" dirty="0"/>
           </a:p>
         </p:txBody>
       </p:sp>
@@ -18454,7 +19031,31 @@
             </a:pPr>
             <a:r>
               <a:rPr lang="en-US" sz="1800" dirty="0"/>
-              <a:t>With Ruby installed, test that Ruby installed properly in your environment.  Start a command window (launch CMD from the start menu). </a:t>
+              <a:t>With Ruby installed, test that Ruby </a:t>
+            </a:r>
+            <a:r>
+              <a:rPr lang="en-US" sz="1800" dirty="0" smtClean="0"/>
+              <a:t>works properly </a:t>
+            </a:r>
+            <a:r>
+              <a:rPr lang="en-US" sz="1800" dirty="0"/>
+              <a:t>in your environment.  Start a command window (launch </a:t>
+            </a:r>
+            <a:r>
+              <a:rPr lang="en-US" sz="1800" dirty="0" smtClean="0"/>
+              <a:t>cmd</a:t>
+            </a:r>
+            <a:r>
+              <a:rPr lang="en-US" sz="1800" dirty="0" smtClean="0"/>
+              <a:t>.exe </a:t>
+            </a:r>
+            <a:r>
+              <a:rPr lang="en-US" sz="1800" dirty="0" smtClean="0"/>
+              <a:t>from </a:t>
+            </a:r>
+            <a:r>
+              <a:rPr lang="en-US" sz="1800" dirty="0"/>
+              <a:t>the start menu). </a:t>
             </a:r>
           </a:p>
           <a:p>
@@ -18468,7 +19069,18 @@
             </a:r>
             <a:r>
               <a:rPr lang="en-US" sz="1800" dirty="0" smtClean="0"/>
-              <a:t>&gt; ruby </a:t>
+              <a:t/>
+            </a:r>
+            <a:br>
+              <a:rPr lang="en-US" sz="1800" dirty="0" smtClean="0"/>
+            </a:br>
+            <a:r>
+              <a:rPr lang="en-US" sz="1800" dirty="0" smtClean="0"/>
+              <a:t>&gt; </a:t>
+            </a:r>
+            <a:r>
+              <a:rPr lang="en-US" sz="1800" dirty="0" smtClean="0"/>
+              <a:t>ruby </a:t>
             </a:r>
             <a:r>
               <a:rPr lang="en-US" sz="1800" dirty="0"/>
@@ -18510,7 +19122,7 @@
                   </a:srgbClr>
                 </a:solidFill>
               </a:rPr>
-              <a:t>5/4/2015</a:t>
+              <a:t>5/6/2015</a:t>
             </a:fld>
             <a:endParaRPr lang="en-US" dirty="0">
               <a:solidFill>
@@ -18643,6 +19255,13 @@
   <p:clrMapOvr>
     <a:masterClrMapping/>
   </p:clrMapOvr>
+  <p:timing>
+    <p:tnLst>
+      <p:par>
+        <p:cTn id="1" dur="indefinite" restart="never" nodeType="tmRoot"/>
+      </p:par>
+    </p:tnLst>
+  </p:timing>
 </p:sld>
 </file>
 
@@ -18678,7 +19297,15 @@
           <a:bodyPr/>
           <a:lstStyle/>
           <a:p>
-            <a:endParaRPr lang="en-US"/>
+            <a:r>
+              <a:rPr lang="en-US" dirty="0"/>
+              <a:t>Ruby on Windows </a:t>
+            </a:r>
+            <a:r>
+              <a:rPr lang="en-US" dirty="0" smtClean="0"/>
+              <a:t>6</a:t>
+            </a:r>
+            <a:endParaRPr lang="en-US" dirty="0"/>
           </a:p>
         </p:txBody>
       </p:sp>
@@ -18759,7 +19386,7 @@
                   </a:srgbClr>
                 </a:solidFill>
               </a:rPr>
-              <a:t>5/4/2015</a:t>
+              <a:t>5/6/2015</a:t>
             </a:fld>
             <a:endParaRPr lang="en-US" dirty="0">
               <a:solidFill>
@@ -18892,6 +19519,13 @@
   <p:clrMapOvr>
     <a:masterClrMapping/>
   </p:clrMapOvr>
+  <p:timing>
+    <p:tnLst>
+      <p:par>
+        <p:cTn id="1" dur="indefinite" restart="never" nodeType="tmRoot"/>
+      </p:par>
+    </p:tnLst>
+  </p:timing>
 </p:sld>
 </file>
 
@@ -18927,7 +19561,15 @@
           <a:bodyPr/>
           <a:lstStyle/>
           <a:p>
-            <a:endParaRPr lang="en-US"/>
+            <a:r>
+              <a:rPr lang="en-US" dirty="0"/>
+              <a:t>Ruby on Windows </a:t>
+            </a:r>
+            <a:r>
+              <a:rPr lang="en-US" dirty="0" smtClean="0"/>
+              <a:t>7</a:t>
+            </a:r>
+            <a:endParaRPr lang="en-US" dirty="0"/>
           </a:p>
         </p:txBody>
       </p:sp>
@@ -18958,11 +19600,11 @@
             </a:r>
             <a:r>
               <a:rPr lang="en-US" sz="1800" dirty="0" smtClean="0"/>
-              <a:t>many </a:t>
+              <a:t>much of its power from </a:t>
             </a:r>
             <a:r>
               <a:rPr lang="en-US" sz="1800" dirty="0"/>
-              <a:t>benefit from the rich repository of </a:t>
+              <a:t>the rich repository of </a:t>
             </a:r>
             <a:r>
               <a:rPr lang="en-US" sz="1800" dirty="0" smtClean="0"/>
@@ -18970,7 +19612,15 @@
             </a:r>
             <a:r>
               <a:rPr lang="en-US" sz="1800" dirty="0"/>
-              <a:t>code libraries written to easily plug into and be consumed by Ruby programs.  </a:t>
+              <a:t>code </a:t>
+            </a:r>
+            <a:r>
+              <a:rPr lang="en-US" sz="1800" dirty="0" smtClean="0"/>
+              <a:t>libraries.  These are </a:t>
+            </a:r>
+            <a:r>
+              <a:rPr lang="en-US" sz="1800" dirty="0"/>
+              <a:t>written to easily plug into and be consumed by Ruby programs.  </a:t>
             </a:r>
             <a:r>
               <a:rPr lang="en-US" sz="1800" dirty="0" smtClean="0"/>
@@ -19050,7 +19700,7 @@
                   </a:srgbClr>
                 </a:solidFill>
               </a:rPr>
-              <a:t>5/4/2015</a:t>
+              <a:t>5/6/2015</a:t>
             </a:fld>
             <a:endParaRPr lang="en-US" dirty="0">
               <a:solidFill>
@@ -19183,6 +19833,13 @@
   <p:clrMapOvr>
     <a:masterClrMapping/>
   </p:clrMapOvr>
+  <p:timing>
+    <p:tnLst>
+      <p:par>
+        <p:cTn id="1" dur="indefinite" restart="never" nodeType="tmRoot"/>
+      </p:par>
+    </p:tnLst>
+  </p:timing>
 </p:sld>
 </file>
 
